--- a/_SLIDES/DEEL1/H7/6c_arrays in methoden_mutidim.pptx
+++ b/_SLIDES/DEEL1/H7/6c_arrays in methoden_mutidim.pptx
@@ -4241,9 +4241,7 @@
       <dgm:prSet presAssocID="{DA562573-54D2-4BCD-A030-0E79564813EE}" presName="iconRect" presStyleLbl="node1" presStyleIdx="0" presStyleCnt="2"/>
       <dgm:spPr>
         <a:blipFill>
-          <a:blip xmlns:r="http://schemas.openxmlformats.org/officeDocument/2006/relationships" r:embed="rId1">
-            <a:extLst/>
-          </a:blip>
+          <a:blip xmlns:r="http://schemas.openxmlformats.org/officeDocument/2006/relationships" r:embed="rId1"/>
           <a:srcRect/>
           <a:stretch>
             <a:fillRect/>
@@ -4562,9 +4560,7 @@
       <dgm:prSet presAssocID="{07F56348-F75D-4617-8585-1AE9A461E7CD}" presName="iconRect" presStyleLbl="node1" presStyleIdx="0" presStyleCnt="2"/>
       <dgm:spPr>
         <a:blipFill>
-          <a:blip xmlns:r="http://schemas.openxmlformats.org/officeDocument/2006/relationships" r:embed="rId1">
-            <a:extLst/>
-          </a:blip>
+          <a:blip xmlns:r="http://schemas.openxmlformats.org/officeDocument/2006/relationships" r:embed="rId1"/>
           <a:srcRect/>
           <a:stretch>
             <a:fillRect/>
@@ -5808,9 +5804,7 @@
           <a:avLst/>
         </a:prstGeom>
         <a:blipFill>
-          <a:blip xmlns:r="http://schemas.openxmlformats.org/officeDocument/2006/relationships" r:embed="rId1">
-            <a:extLst/>
-          </a:blip>
+          <a:blip xmlns:r="http://schemas.openxmlformats.org/officeDocument/2006/relationships" r:embed="rId1"/>
           <a:srcRect/>
           <a:stretch>
             <a:fillRect/>
@@ -6251,9 +6245,7 @@
           <a:avLst/>
         </a:prstGeom>
         <a:blipFill>
-          <a:blip xmlns:r="http://schemas.openxmlformats.org/officeDocument/2006/relationships" r:embed="rId1">
-            <a:extLst/>
-          </a:blip>
+          <a:blip xmlns:r="http://schemas.openxmlformats.org/officeDocument/2006/relationships" r:embed="rId1"/>
           <a:srcRect/>
           <a:stretch>
             <a:fillRect/>
@@ -14029,7 +14021,7 @@
           <a:p>
             <a:fld id="{AAB1E9D1-C262-4CF5-AED2-7DBFF7C74527}" type="datetimeFigureOut">
               <a:rPr lang="nl-BE" smtClean="0"/>
-              <a:t>19/12/2018</a:t>
+              <a:t>9/12/2019</a:t>
             </a:fld>
             <a:endParaRPr lang="nl-BE"/>
           </a:p>
@@ -16602,7 +16594,7 @@
           <a:p>
             <a:fld id="{2661A00B-007A-4326-8859-8C83DD4C6E5D}" type="datetimeFigureOut">
               <a:rPr lang="nl-BE" smtClean="0"/>
-              <a:t>19/12/2018</a:t>
+              <a:t>9/12/2019</a:t>
             </a:fld>
             <a:endParaRPr lang="nl-BE"/>
           </a:p>
@@ -16802,7 +16794,7 @@
           <a:p>
             <a:fld id="{2661A00B-007A-4326-8859-8C83DD4C6E5D}" type="datetimeFigureOut">
               <a:rPr lang="nl-BE" smtClean="0"/>
-              <a:t>19/12/2018</a:t>
+              <a:t>9/12/2019</a:t>
             </a:fld>
             <a:endParaRPr lang="nl-BE"/>
           </a:p>
@@ -17012,7 +17004,7 @@
           <a:p>
             <a:fld id="{2661A00B-007A-4326-8859-8C83DD4C6E5D}" type="datetimeFigureOut">
               <a:rPr lang="nl-BE" smtClean="0"/>
-              <a:t>19/12/2018</a:t>
+              <a:t>9/12/2019</a:t>
             </a:fld>
             <a:endParaRPr lang="nl-BE"/>
           </a:p>
@@ -17212,7 +17204,7 @@
           <a:p>
             <a:fld id="{2661A00B-007A-4326-8859-8C83DD4C6E5D}" type="datetimeFigureOut">
               <a:rPr lang="nl-BE" smtClean="0"/>
-              <a:t>19/12/2018</a:t>
+              <a:t>9/12/2019</a:t>
             </a:fld>
             <a:endParaRPr lang="nl-BE"/>
           </a:p>
@@ -17488,7 +17480,7 @@
           <a:p>
             <a:fld id="{2661A00B-007A-4326-8859-8C83DD4C6E5D}" type="datetimeFigureOut">
               <a:rPr lang="nl-BE" smtClean="0"/>
-              <a:t>19/12/2018</a:t>
+              <a:t>9/12/2019</a:t>
             </a:fld>
             <a:endParaRPr lang="nl-BE"/>
           </a:p>
@@ -17756,7 +17748,7 @@
           <a:p>
             <a:fld id="{2661A00B-007A-4326-8859-8C83DD4C6E5D}" type="datetimeFigureOut">
               <a:rPr lang="nl-BE" smtClean="0"/>
-              <a:t>19/12/2018</a:t>
+              <a:t>9/12/2019</a:t>
             </a:fld>
             <a:endParaRPr lang="nl-BE"/>
           </a:p>
@@ -18171,7 +18163,7 @@
           <a:p>
             <a:fld id="{2661A00B-007A-4326-8859-8C83DD4C6E5D}" type="datetimeFigureOut">
               <a:rPr lang="nl-BE" smtClean="0"/>
-              <a:t>19/12/2018</a:t>
+              <a:t>9/12/2019</a:t>
             </a:fld>
             <a:endParaRPr lang="nl-BE"/>
           </a:p>
@@ -18313,7 +18305,7 @@
           <a:p>
             <a:fld id="{2661A00B-007A-4326-8859-8C83DD4C6E5D}" type="datetimeFigureOut">
               <a:rPr lang="nl-BE" smtClean="0"/>
-              <a:t>19/12/2018</a:t>
+              <a:t>9/12/2019</a:t>
             </a:fld>
             <a:endParaRPr lang="nl-BE"/>
           </a:p>
@@ -18426,7 +18418,7 @@
           <a:p>
             <a:fld id="{2661A00B-007A-4326-8859-8C83DD4C6E5D}" type="datetimeFigureOut">
               <a:rPr lang="nl-BE" smtClean="0"/>
-              <a:t>19/12/2018</a:t>
+              <a:t>9/12/2019</a:t>
             </a:fld>
             <a:endParaRPr lang="nl-BE"/>
           </a:p>
@@ -18739,7 +18731,7 @@
           <a:p>
             <a:fld id="{2661A00B-007A-4326-8859-8C83DD4C6E5D}" type="datetimeFigureOut">
               <a:rPr lang="nl-BE" smtClean="0"/>
-              <a:t>19/12/2018</a:t>
+              <a:t>9/12/2019</a:t>
             </a:fld>
             <a:endParaRPr lang="nl-BE"/>
           </a:p>
@@ -19028,7 +19020,7 @@
           <a:p>
             <a:fld id="{2661A00B-007A-4326-8859-8C83DD4C6E5D}" type="datetimeFigureOut">
               <a:rPr lang="nl-BE" smtClean="0"/>
-              <a:t>19/12/2018</a:t>
+              <a:t>9/12/2019</a:t>
             </a:fld>
             <a:endParaRPr lang="nl-BE"/>
           </a:p>
@@ -19271,7 +19263,7 @@
           <a:p>
             <a:fld id="{2661A00B-007A-4326-8859-8C83DD4C6E5D}" type="datetimeFigureOut">
               <a:rPr lang="nl-BE" smtClean="0"/>
-              <a:t>19/12/2018</a:t>
+              <a:t>9/12/2019</a:t>
             </a:fld>
             <a:endParaRPr lang="nl-BE"/>
           </a:p>
@@ -20223,7 +20215,7 @@
         </p:nvSpPr>
         <p:spPr>
           <a:xfrm>
-            <a:off x="1569088" y="2557248"/>
+            <a:off x="1763872" y="2081111"/>
             <a:ext cx="8180904" cy="923330"/>
           </a:xfrm>
           <a:prstGeom prst="rect">
@@ -21449,6 +21441,37 @@
             </a:r>
           </a:p>
           <a:p>
+            <a:pPr>
+              <a:lnSpc>
+                <a:spcPct val="88000"/>
+              </a:lnSpc>
+              <a:spcBef>
+                <a:spcPts val="700"/>
+              </a:spcBef>
+              <a:buNone/>
+            </a:pPr>
+            <a:r>
+              <a:rPr lang="en-US" dirty="0"/>
+              <a:t>            </a:t>
+            </a:r>
+            <a:r>
+              <a:rPr lang="en-US" dirty="0" err="1"/>
+              <a:t>Console.Write</a:t>
+            </a:r>
+            <a:r>
+              <a:rPr lang="en-US" dirty="0"/>
+              <a:t>($"Enter Temperature {</a:t>
+            </a:r>
+            <a:r>
+              <a:rPr lang="en-US" dirty="0" err="1"/>
+              <a:t>i</a:t>
+            </a:r>
+            <a:r>
+              <a:rPr lang="en-US" dirty="0"/>
+              <a:t> + 1} ");</a:t>
+            </a:r>
+          </a:p>
+          <a:p>
             <a:pPr eaLnBrk="1" hangingPunct="1">
               <a:lnSpc>
                 <a:spcPct val="88000"/>
@@ -21464,19 +21487,19 @@
             </a:r>
             <a:r>
               <a:rPr lang="en-US" dirty="0" err="1"/>
-              <a:t>Console.Write</a:t>
+              <a:t>inValue</a:t>
             </a:r>
             <a:r>
               <a:rPr lang="en-US" dirty="0"/>
-              <a:t>("Enter Temperature {0}: ", </a:t>
+              <a:t> = </a:t>
             </a:r>
             <a:r>
               <a:rPr lang="en-US" dirty="0" err="1"/>
-              <a:t>i</a:t>
+              <a:t>Console.ReadLine</a:t>
             </a:r>
             <a:r>
               <a:rPr lang="en-US" dirty="0"/>
-              <a:t> + 1);</a:t>
+              <a:t>( );</a:t>
             </a:r>
           </a:p>
           <a:p>
@@ -21491,37 +21514,6 @@
             </a:pPr>
             <a:r>
               <a:rPr lang="en-US" dirty="0"/>
-              <a:t>            </a:t>
-            </a:r>
-            <a:r>
-              <a:rPr lang="en-US" dirty="0" err="1"/>
-              <a:t>inValue</a:t>
-            </a:r>
-            <a:r>
-              <a:rPr lang="en-US" dirty="0"/>
-              <a:t> = </a:t>
-            </a:r>
-            <a:r>
-              <a:rPr lang="en-US" dirty="0" err="1"/>
-              <a:t>Console.ReadLine</a:t>
-            </a:r>
-            <a:r>
-              <a:rPr lang="en-US" dirty="0"/>
-              <a:t>( );</a:t>
-            </a:r>
-          </a:p>
-          <a:p>
-            <a:pPr eaLnBrk="1" hangingPunct="1">
-              <a:lnSpc>
-                <a:spcPct val="88000"/>
-              </a:lnSpc>
-              <a:spcBef>
-                <a:spcPts val="700"/>
-              </a:spcBef>
-              <a:buNone/>
-            </a:pPr>
-            <a:r>
-              <a:rPr lang="en-US" dirty="0"/>
               <a:t>            temp[</a:t>
             </a:r>
             <a:r>
@@ -21533,16 +21525,12 @@
               <a:t>] = </a:t>
             </a:r>
             <a:r>
-              <a:rPr lang="en-US" dirty="0" err="1">
+              <a:rPr lang="en-US" dirty="0">
                 <a:solidFill>
                   <a:srgbClr val="0000FF"/>
                 </a:solidFill>
               </a:rPr>
-              <a:t>int</a:t>
-            </a:r>
-            <a:r>
-              <a:rPr lang="en-US" dirty="0" err="1"/>
-              <a:t>.Parse</a:t>
+              <a:t>Convert.ToInt32</a:t>
             </a:r>
             <a:r>
               <a:rPr lang="en-US" dirty="0"/>
@@ -22847,7 +22835,7 @@
         </p:blipFill>
         <p:spPr bwMode="auto">
           <a:xfrm>
-            <a:off x="2860492" y="3008792"/>
+            <a:off x="3206774" y="2170141"/>
             <a:ext cx="3876675" cy="3562350"/>
           </a:xfrm>
           <a:prstGeom prst="rect">
@@ -22896,7 +22884,7 @@
         </p:nvSpPr>
         <p:spPr bwMode="auto">
           <a:xfrm>
-            <a:off x="2860492" y="3655497"/>
+            <a:off x="3206774" y="2816846"/>
             <a:ext cx="1938337" cy="214755"/>
           </a:xfrm>
           <a:prstGeom prst="rect">
@@ -22948,7 +22936,7 @@
         </p:nvSpPr>
         <p:spPr>
           <a:xfrm>
-            <a:off x="4953001" y="3501264"/>
+            <a:off x="5299283" y="2662613"/>
             <a:ext cx="5321595" cy="830997"/>
           </a:xfrm>
           <a:prstGeom prst="rect">
@@ -24550,7 +24538,7 @@
 </file>
 
 <file path=ppt/slides/slide20.xml><?xml version="1.0" encoding="utf-8"?>
-<p:sld xmlns:a="http://schemas.openxmlformats.org/drawingml/2006/main" xmlns:r="http://schemas.openxmlformats.org/officeDocument/2006/relationships" xmlns:p="http://schemas.openxmlformats.org/presentationml/2006/main">
+<p:sld xmlns:a="http://schemas.openxmlformats.org/drawingml/2006/main" xmlns:r="http://schemas.openxmlformats.org/officeDocument/2006/relationships" xmlns:p="http://schemas.openxmlformats.org/presentationml/2006/main" show="0">
   <p:cSld>
     <p:bg>
       <p:bgPr>
@@ -24889,7 +24877,7 @@
 </file>
 
 <file path=ppt/slides/slide21.xml><?xml version="1.0" encoding="utf-8"?>
-<p:sld xmlns:a="http://schemas.openxmlformats.org/drawingml/2006/main" xmlns:r="http://schemas.openxmlformats.org/officeDocument/2006/relationships" xmlns:p="http://schemas.openxmlformats.org/presentationml/2006/main">
+<p:sld xmlns:a="http://schemas.openxmlformats.org/drawingml/2006/main" xmlns:r="http://schemas.openxmlformats.org/officeDocument/2006/relationships" xmlns:p="http://schemas.openxmlformats.org/presentationml/2006/main" show="0">
   <p:cSld>
     <p:spTree>
       <p:nvGrpSpPr>
@@ -25039,7 +25027,7 @@
         <p:spPr bwMode="auto">
           <a:xfrm>
             <a:off x="4468910" y="1554568"/>
-            <a:ext cx="1456660" cy="372140"/>
+            <a:ext cx="1627090" cy="372140"/>
           </a:xfrm>
           <a:prstGeom prst="rect">
             <a:avLst/>
@@ -25983,7 +25971,7 @@
 </file>
 
 <file path=ppt/slides/slide22.xml><?xml version="1.0" encoding="utf-8"?>
-<p:sld xmlns:a="http://schemas.openxmlformats.org/drawingml/2006/main" xmlns:r="http://schemas.openxmlformats.org/officeDocument/2006/relationships" xmlns:p="http://schemas.openxmlformats.org/presentationml/2006/main">
+<p:sld xmlns:a="http://schemas.openxmlformats.org/drawingml/2006/main" xmlns:r="http://schemas.openxmlformats.org/officeDocument/2006/relationships" xmlns:p="http://schemas.openxmlformats.org/presentationml/2006/main" show="0">
   <p:cSld>
     <p:bg>
       <p:bgPr>
@@ -39936,21 +39924,8 @@
           <a:p>
             <a:r>
               <a:rPr lang="nl-BE" dirty="0"/>
-              <a:t>Passing arrays </a:t>
-            </a:r>
-            <a:r>
-              <a:rPr lang="nl-BE" dirty="0" err="1"/>
-              <a:t>to</a:t>
-            </a:r>
-            <a:r>
-              <a:rPr lang="nl-BE" dirty="0"/>
-              <a:t> </a:t>
-            </a:r>
-            <a:r>
-              <a:rPr lang="nl-BE" dirty="0" err="1"/>
-              <a:t>methods</a:t>
-            </a:r>
-            <a:endParaRPr lang="nl-BE" dirty="0"/>
+              <a:t>Summary</a:t>
+            </a:r>
           </a:p>
         </p:txBody>
       </p:sp>

--- a/_SLIDES/DEEL1/H7/6c_arrays in methoden_mutidim.pptx
+++ b/_SLIDES/DEEL1/H7/6c_arrays in methoden_mutidim.pptx
@@ -5,7 +5,7 @@
     <p:sldMasterId id="2147483648" r:id="rId1"/>
   </p:sldMasterIdLst>
   <p:notesMasterIdLst>
-    <p:notesMasterId r:id="rId43"/>
+    <p:notesMasterId r:id="rId44"/>
   </p:notesMasterIdLst>
   <p:sldIdLst>
     <p:sldId id="1228" r:id="rId2"/>
@@ -47,37 +47,38 @@
     <p:sldId id="950" r:id="rId38"/>
     <p:sldId id="1978" r:id="rId39"/>
     <p:sldId id="1979" r:id="rId40"/>
-    <p:sldId id="1969" r:id="rId41"/>
-    <p:sldId id="1970" r:id="rId42"/>
+    <p:sldId id="1982" r:id="rId41"/>
+    <p:sldId id="1969" r:id="rId42"/>
+    <p:sldId id="1970" r:id="rId43"/>
   </p:sldIdLst>
   <p:sldSz cx="12192000" cy="6858000"/>
   <p:notesSz cx="6858000" cy="9144000"/>
   <p:embeddedFontLst>
     <p:embeddedFont>
       <p:font typeface="Calibri" panose="020F0502020204030204" pitchFamily="34" charset="0"/>
-      <p:regular r:id="rId44"/>
-      <p:bold r:id="rId45"/>
-      <p:italic r:id="rId46"/>
-      <p:boldItalic r:id="rId47"/>
+      <p:regular r:id="rId45"/>
+      <p:bold r:id="rId46"/>
+      <p:italic r:id="rId47"/>
+      <p:boldItalic r:id="rId48"/>
     </p:embeddedFont>
     <p:embeddedFont>
       <p:font typeface="Calibri Light" panose="020F0302020204030204" pitchFamily="34" charset="0"/>
-      <p:regular r:id="rId48"/>
-      <p:italic r:id="rId49"/>
+      <p:regular r:id="rId49"/>
+      <p:italic r:id="rId50"/>
     </p:embeddedFont>
     <p:embeddedFont>
       <p:font typeface="Consolas" panose="020B0609020204030204" pitchFamily="49" charset="0"/>
-      <p:regular r:id="rId50"/>
-      <p:bold r:id="rId51"/>
-      <p:italic r:id="rId52"/>
-      <p:boldItalic r:id="rId53"/>
+      <p:regular r:id="rId51"/>
+      <p:bold r:id="rId52"/>
+      <p:italic r:id="rId53"/>
+      <p:boldItalic r:id="rId54"/>
     </p:embeddedFont>
     <p:embeddedFont>
       <p:font typeface="Times" panose="02020603050405020304" pitchFamily="18" charset="0"/>
-      <p:regular r:id="rId54"/>
-      <p:bold r:id="rId55"/>
-      <p:italic r:id="rId56"/>
-      <p:boldItalic r:id="rId57"/>
+      <p:regular r:id="rId55"/>
+      <p:bold r:id="rId56"/>
+      <p:italic r:id="rId57"/>
+      <p:boldItalic r:id="rId58"/>
     </p:embeddedFont>
   </p:embeddedFontLst>
   <p:defaultTextStyle>
@@ -14021,7 +14022,7 @@
           <a:p>
             <a:fld id="{AAB1E9D1-C262-4CF5-AED2-7DBFF7C74527}" type="datetimeFigureOut">
               <a:rPr lang="nl-BE" smtClean="0"/>
-              <a:t>9/12/2019</a:t>
+              <a:t>16/12/2019</a:t>
             </a:fld>
             <a:endParaRPr lang="nl-BE"/>
           </a:p>
@@ -16594,7 +16595,7 @@
           <a:p>
             <a:fld id="{2661A00B-007A-4326-8859-8C83DD4C6E5D}" type="datetimeFigureOut">
               <a:rPr lang="nl-BE" smtClean="0"/>
-              <a:t>9/12/2019</a:t>
+              <a:t>16/12/2019</a:t>
             </a:fld>
             <a:endParaRPr lang="nl-BE"/>
           </a:p>
@@ -16794,7 +16795,7 @@
           <a:p>
             <a:fld id="{2661A00B-007A-4326-8859-8C83DD4C6E5D}" type="datetimeFigureOut">
               <a:rPr lang="nl-BE" smtClean="0"/>
-              <a:t>9/12/2019</a:t>
+              <a:t>16/12/2019</a:t>
             </a:fld>
             <a:endParaRPr lang="nl-BE"/>
           </a:p>
@@ -17004,7 +17005,7 @@
           <a:p>
             <a:fld id="{2661A00B-007A-4326-8859-8C83DD4C6E5D}" type="datetimeFigureOut">
               <a:rPr lang="nl-BE" smtClean="0"/>
-              <a:t>9/12/2019</a:t>
+              <a:t>16/12/2019</a:t>
             </a:fld>
             <a:endParaRPr lang="nl-BE"/>
           </a:p>
@@ -17204,7 +17205,7 @@
           <a:p>
             <a:fld id="{2661A00B-007A-4326-8859-8C83DD4C6E5D}" type="datetimeFigureOut">
               <a:rPr lang="nl-BE" smtClean="0"/>
-              <a:t>9/12/2019</a:t>
+              <a:t>16/12/2019</a:t>
             </a:fld>
             <a:endParaRPr lang="nl-BE"/>
           </a:p>
@@ -17480,7 +17481,7 @@
           <a:p>
             <a:fld id="{2661A00B-007A-4326-8859-8C83DD4C6E5D}" type="datetimeFigureOut">
               <a:rPr lang="nl-BE" smtClean="0"/>
-              <a:t>9/12/2019</a:t>
+              <a:t>16/12/2019</a:t>
             </a:fld>
             <a:endParaRPr lang="nl-BE"/>
           </a:p>
@@ -17748,7 +17749,7 @@
           <a:p>
             <a:fld id="{2661A00B-007A-4326-8859-8C83DD4C6E5D}" type="datetimeFigureOut">
               <a:rPr lang="nl-BE" smtClean="0"/>
-              <a:t>9/12/2019</a:t>
+              <a:t>16/12/2019</a:t>
             </a:fld>
             <a:endParaRPr lang="nl-BE"/>
           </a:p>
@@ -18163,7 +18164,7 @@
           <a:p>
             <a:fld id="{2661A00B-007A-4326-8859-8C83DD4C6E5D}" type="datetimeFigureOut">
               <a:rPr lang="nl-BE" smtClean="0"/>
-              <a:t>9/12/2019</a:t>
+              <a:t>16/12/2019</a:t>
             </a:fld>
             <a:endParaRPr lang="nl-BE"/>
           </a:p>
@@ -18305,7 +18306,7 @@
           <a:p>
             <a:fld id="{2661A00B-007A-4326-8859-8C83DD4C6E5D}" type="datetimeFigureOut">
               <a:rPr lang="nl-BE" smtClean="0"/>
-              <a:t>9/12/2019</a:t>
+              <a:t>16/12/2019</a:t>
             </a:fld>
             <a:endParaRPr lang="nl-BE"/>
           </a:p>
@@ -18418,7 +18419,7 @@
           <a:p>
             <a:fld id="{2661A00B-007A-4326-8859-8C83DD4C6E5D}" type="datetimeFigureOut">
               <a:rPr lang="nl-BE" smtClean="0"/>
-              <a:t>9/12/2019</a:t>
+              <a:t>16/12/2019</a:t>
             </a:fld>
             <a:endParaRPr lang="nl-BE"/>
           </a:p>
@@ -18731,7 +18732,7 @@
           <a:p>
             <a:fld id="{2661A00B-007A-4326-8859-8C83DD4C6E5D}" type="datetimeFigureOut">
               <a:rPr lang="nl-BE" smtClean="0"/>
-              <a:t>9/12/2019</a:t>
+              <a:t>16/12/2019</a:t>
             </a:fld>
             <a:endParaRPr lang="nl-BE"/>
           </a:p>
@@ -19020,7 +19021,7 @@
           <a:p>
             <a:fld id="{2661A00B-007A-4326-8859-8C83DD4C6E5D}" type="datetimeFigureOut">
               <a:rPr lang="nl-BE" smtClean="0"/>
-              <a:t>9/12/2019</a:t>
+              <a:t>16/12/2019</a:t>
             </a:fld>
             <a:endParaRPr lang="nl-BE"/>
           </a:p>
@@ -19263,7 +19264,7 @@
           <a:p>
             <a:fld id="{2661A00B-007A-4326-8859-8C83DD4C6E5D}" type="datetimeFigureOut">
               <a:rPr lang="nl-BE" smtClean="0"/>
-              <a:t>9/12/2019</a:t>
+              <a:t>16/12/2019</a:t>
             </a:fld>
             <a:endParaRPr lang="nl-BE"/>
           </a:p>
@@ -35499,6 +35500,418 @@
 <file path=ppt/slides/slide40.xml><?xml version="1.0" encoding="utf-8"?>
 <p:sld xmlns:a="http://schemas.openxmlformats.org/drawingml/2006/main" xmlns:r="http://schemas.openxmlformats.org/officeDocument/2006/relationships" xmlns:p="http://schemas.openxmlformats.org/presentationml/2006/main">
   <p:cSld>
+    <p:spTree>
+      <p:nvGrpSpPr>
+        <p:cNvPr id="1" name=""/>
+        <p:cNvGrpSpPr/>
+        <p:nvPr/>
+      </p:nvGrpSpPr>
+      <p:grpSpPr>
+        <a:xfrm>
+          <a:off x="0" y="0"/>
+          <a:ext cx="0" cy="0"/>
+          <a:chOff x="0" y="0"/>
+          <a:chExt cx="0" cy="0"/>
+        </a:xfrm>
+      </p:grpSpPr>
+      <p:sp>
+        <p:nvSpPr>
+          <p:cNvPr id="2" name="Titel 1">
+            <a:extLst>
+              <a:ext uri="{FF2B5EF4-FFF2-40B4-BE49-F238E27FC236}">
+                <a16:creationId xmlns:a16="http://schemas.microsoft.com/office/drawing/2014/main" id="{70C18E1C-0AF0-4EE5-B243-2FAD1F7858B9}"/>
+              </a:ext>
+            </a:extLst>
+          </p:cNvPr>
+          <p:cNvSpPr>
+            <a:spLocks noGrp="1"/>
+          </p:cNvSpPr>
+          <p:nvPr>
+            <p:ph type="title"/>
+          </p:nvPr>
+        </p:nvSpPr>
+        <p:spPr/>
+        <p:txBody>
+          <a:bodyPr/>
+          <a:lstStyle/>
+          <a:p>
+            <a:r>
+              <a:rPr lang="nl-BE" dirty="0"/>
+              <a:t>Summary</a:t>
+            </a:r>
+          </a:p>
+        </p:txBody>
+      </p:sp>
+      <p:sp>
+        <p:nvSpPr>
+          <p:cNvPr id="3" name="Tijdelijke aanduiding voor inhoud 2">
+            <a:extLst>
+              <a:ext uri="{FF2B5EF4-FFF2-40B4-BE49-F238E27FC236}">
+                <a16:creationId xmlns:a16="http://schemas.microsoft.com/office/drawing/2014/main" id="{D9D08C7D-0D9A-41C0-8030-4DD5702087B7}"/>
+              </a:ext>
+            </a:extLst>
+          </p:cNvPr>
+          <p:cNvSpPr>
+            <a:spLocks noGrp="1"/>
+          </p:cNvSpPr>
+          <p:nvPr>
+            <p:ph idx="1"/>
+          </p:nvPr>
+        </p:nvSpPr>
+        <p:spPr>
+          <a:xfrm>
+            <a:off x="963085" y="1328738"/>
+            <a:ext cx="10949516" cy="4902200"/>
+          </a:xfrm>
+        </p:spPr>
+        <p:txBody>
+          <a:bodyPr/>
+          <a:lstStyle/>
+          <a:p>
+            <a:r>
+              <a:rPr lang="nl-BE" dirty="0" err="1"/>
+              <a:t>Two</a:t>
+            </a:r>
+            <a:r>
+              <a:rPr lang="nl-BE" dirty="0"/>
+              <a:t> </a:t>
+            </a:r>
+            <a:r>
+              <a:rPr lang="nl-BE" dirty="0" err="1"/>
+              <a:t>possibilities</a:t>
+            </a:r>
+            <a:r>
+              <a:rPr lang="nl-BE" dirty="0"/>
+              <a:t>:</a:t>
+            </a:r>
+          </a:p>
+          <a:p>
+            <a:pPr marL="457200" indent="-457200">
+              <a:buFont typeface="+mj-lt"/>
+              <a:buAutoNum type="arabicPeriod"/>
+            </a:pPr>
+            <a:r>
+              <a:rPr lang="nl-BE" dirty="0"/>
+              <a:t>Pass single </a:t>
+            </a:r>
+            <a:r>
+              <a:rPr lang="nl-BE" dirty="0" err="1"/>
+              <a:t>value</a:t>
+            </a:r>
+            <a:r>
+              <a:rPr lang="nl-BE" dirty="0"/>
+              <a:t> of </a:t>
+            </a:r>
+            <a:r>
+              <a:rPr lang="nl-BE" dirty="0" err="1"/>
+              <a:t>the</a:t>
+            </a:r>
+            <a:r>
+              <a:rPr lang="nl-BE" dirty="0"/>
+              <a:t> array </a:t>
+            </a:r>
+            <a:r>
+              <a:rPr lang="nl-BE" dirty="0" err="1"/>
+              <a:t>to</a:t>
+            </a:r>
+            <a:r>
+              <a:rPr lang="nl-BE" dirty="0"/>
+              <a:t> </a:t>
+            </a:r>
+            <a:r>
+              <a:rPr lang="nl-BE" dirty="0" err="1"/>
+              <a:t>the</a:t>
+            </a:r>
+            <a:r>
+              <a:rPr lang="nl-BE" dirty="0"/>
+              <a:t> </a:t>
+            </a:r>
+            <a:r>
+              <a:rPr lang="nl-BE" dirty="0" err="1"/>
+              <a:t>method</a:t>
+            </a:r>
+            <a:r>
+              <a:rPr lang="nl-BE" dirty="0"/>
+              <a:t>  =&gt; </a:t>
+            </a:r>
+            <a:r>
+              <a:rPr lang="nl-BE" dirty="0" err="1"/>
+              <a:t>always</a:t>
+            </a:r>
+            <a:r>
+              <a:rPr lang="nl-BE" dirty="0"/>
+              <a:t> </a:t>
+            </a:r>
+            <a:r>
+              <a:rPr lang="nl-BE" dirty="0" err="1"/>
+              <a:t>by</a:t>
+            </a:r>
+            <a:r>
+              <a:rPr lang="nl-BE" dirty="0"/>
+              <a:t> </a:t>
+            </a:r>
+            <a:r>
+              <a:rPr lang="nl-BE" b="1" dirty="0" err="1"/>
+              <a:t>value</a:t>
+            </a:r>
+            <a:endParaRPr lang="nl-BE" b="1" dirty="0"/>
+          </a:p>
+          <a:p>
+            <a:pPr marL="457200" indent="-457200">
+              <a:buFont typeface="+mj-lt"/>
+              <a:buAutoNum type="arabicPeriod"/>
+            </a:pPr>
+            <a:r>
+              <a:rPr lang="nl-BE" dirty="0"/>
+              <a:t>Pass full array </a:t>
+            </a:r>
+            <a:r>
+              <a:rPr lang="nl-BE" dirty="0" err="1"/>
+              <a:t>to</a:t>
+            </a:r>
+            <a:r>
+              <a:rPr lang="nl-BE" dirty="0"/>
+              <a:t> </a:t>
+            </a:r>
+            <a:r>
+              <a:rPr lang="nl-BE" dirty="0" err="1"/>
+              <a:t>the</a:t>
+            </a:r>
+            <a:r>
+              <a:rPr lang="nl-BE" dirty="0"/>
+              <a:t> </a:t>
+            </a:r>
+            <a:r>
+              <a:rPr lang="nl-BE" dirty="0" err="1"/>
+              <a:t>method</a:t>
+            </a:r>
+            <a:r>
+              <a:rPr lang="nl-BE" dirty="0"/>
+              <a:t> =&gt;	</a:t>
+            </a:r>
+            <a:r>
+              <a:rPr lang="nl-BE" dirty="0" err="1"/>
+              <a:t>always</a:t>
+            </a:r>
+            <a:r>
+              <a:rPr lang="nl-BE" dirty="0"/>
+              <a:t> </a:t>
+            </a:r>
+            <a:r>
+              <a:rPr lang="nl-BE" dirty="0" err="1"/>
+              <a:t>by</a:t>
+            </a:r>
+            <a:r>
+              <a:rPr lang="nl-BE" dirty="0"/>
+              <a:t> </a:t>
+            </a:r>
+            <a:r>
+              <a:rPr lang="nl-BE" b="1" dirty="0" err="1"/>
+              <a:t>reference</a:t>
+            </a:r>
+            <a:endParaRPr lang="nl-BE" b="1" dirty="0"/>
+          </a:p>
+        </p:txBody>
+      </p:sp>
+      <p:sp>
+        <p:nvSpPr>
+          <p:cNvPr id="4" name="Tijdelijke aanduiding voor dianummer 3">
+            <a:extLst>
+              <a:ext uri="{FF2B5EF4-FFF2-40B4-BE49-F238E27FC236}">
+                <a16:creationId xmlns:a16="http://schemas.microsoft.com/office/drawing/2014/main" id="{CD8FF40F-7356-4858-97D7-74E1A9FC0594}"/>
+              </a:ext>
+            </a:extLst>
+          </p:cNvPr>
+          <p:cNvSpPr>
+            <a:spLocks noGrp="1"/>
+          </p:cNvSpPr>
+          <p:nvPr>
+            <p:ph type="sldNum" sz="quarter" idx="10"/>
+          </p:nvPr>
+        </p:nvSpPr>
+        <p:spPr/>
+        <p:txBody>
+          <a:bodyPr/>
+          <a:lstStyle/>
+          <a:p>
+            <a:pPr>
+              <a:defRPr/>
+            </a:pPr>
+            <a:r>
+              <a:rPr lang="nl-NL"/>
+              <a:t>© ap| </a:t>
+            </a:r>
+            <a:fld id="{8A00CA90-1673-4C5D-B289-DA0BFE9501DF}" type="slidenum">
+              <a:rPr lang="nl-NL" smtClean="0"/>
+              <a:pPr>
+                <a:defRPr/>
+              </a:pPr>
+              <a:t>40</a:t>
+            </a:fld>
+            <a:endParaRPr lang="nl-NL" dirty="0"/>
+          </a:p>
+        </p:txBody>
+      </p:sp>
+      <p:pic>
+        <p:nvPicPr>
+          <p:cNvPr id="8194" name="Picture 2" descr="Image result for value vs reference">
+            <a:extLst>
+              <a:ext uri="{FF2B5EF4-FFF2-40B4-BE49-F238E27FC236}">
+                <a16:creationId xmlns:a16="http://schemas.microsoft.com/office/drawing/2014/main" id="{95726B2A-36B3-430D-909F-2763F6B6FC25}"/>
+              </a:ext>
+            </a:extLst>
+          </p:cNvPr>
+          <p:cNvPicPr>
+            <a:picLocks noChangeAspect="1" noChangeArrowheads="1" noCrop="1"/>
+          </p:cNvPicPr>
+          <p:nvPr/>
+        </p:nvPicPr>
+        <p:blipFill>
+          <a:blip r:embed="rId2">
+            <a:extLst>
+              <a:ext uri="{28A0092B-C50C-407E-A947-70E740481C1C}">
+                <a14:useLocalDpi xmlns:a14="http://schemas.microsoft.com/office/drawing/2010/main" val="0"/>
+              </a:ext>
+            </a:extLst>
+          </a:blip>
+          <a:srcRect/>
+          <a:stretch>
+            <a:fillRect/>
+          </a:stretch>
+        </p:blipFill>
+        <p:spPr bwMode="auto">
+          <a:xfrm>
+            <a:off x="3557675" y="3012857"/>
+            <a:ext cx="4762500" cy="2571750"/>
+          </a:xfrm>
+          <a:prstGeom prst="rect">
+            <a:avLst/>
+          </a:prstGeom>
+          <a:noFill/>
+          <a:extLst>
+            <a:ext uri="{909E8E84-426E-40DD-AFC4-6F175D3DCCD1}">
+              <a14:hiddenFill xmlns:a14="http://schemas.microsoft.com/office/drawing/2010/main">
+                <a:solidFill>
+                  <a:srgbClr val="FFFFFF"/>
+                </a:solidFill>
+              </a14:hiddenFill>
+            </a:ext>
+          </a:extLst>
+        </p:spPr>
+      </p:pic>
+      <p:sp>
+        <p:nvSpPr>
+          <p:cNvPr id="5" name="Tekstvak 4">
+            <a:extLst>
+              <a:ext uri="{FF2B5EF4-FFF2-40B4-BE49-F238E27FC236}">
+                <a16:creationId xmlns:a16="http://schemas.microsoft.com/office/drawing/2014/main" id="{EC757230-49EC-48D7-8FD9-438AF7BDCA9F}"/>
+              </a:ext>
+            </a:extLst>
+          </p:cNvPr>
+          <p:cNvSpPr txBox="1"/>
+          <p:nvPr/>
+        </p:nvSpPr>
+        <p:spPr>
+          <a:xfrm>
+            <a:off x="1555755" y="5840938"/>
+            <a:ext cx="10636245" cy="646331"/>
+          </a:xfrm>
+          <a:prstGeom prst="rect">
+            <a:avLst/>
+          </a:prstGeom>
+          <a:noFill/>
+        </p:spPr>
+        <p:txBody>
+          <a:bodyPr wrap="none" rtlCol="0">
+            <a:spAutoFit/>
+          </a:bodyPr>
+          <a:lstStyle/>
+          <a:p>
+            <a:pPr algn="r"/>
+            <a:r>
+              <a:rPr lang="nl-BE" dirty="0"/>
+              <a:t>Click here </a:t>
+            </a:r>
+            <a:r>
+              <a:rPr lang="nl-BE" dirty="0" err="1"/>
+              <a:t>to</a:t>
+            </a:r>
+            <a:r>
+              <a:rPr lang="nl-BE" dirty="0"/>
+              <a:t> </a:t>
+            </a:r>
+            <a:r>
+              <a:rPr lang="nl-BE" dirty="0" err="1"/>
+              <a:t>watch</a:t>
+            </a:r>
+            <a:r>
+              <a:rPr lang="nl-BE" dirty="0"/>
+              <a:t> </a:t>
+            </a:r>
+            <a:r>
+              <a:rPr lang="nl-BE" dirty="0" err="1"/>
+              <a:t>the</a:t>
+            </a:r>
+            <a:r>
+              <a:rPr lang="nl-BE" dirty="0"/>
+              <a:t> </a:t>
+            </a:r>
+            <a:r>
+              <a:rPr lang="nl-BE" dirty="0" err="1"/>
+              <a:t>above</a:t>
+            </a:r>
+            <a:r>
+              <a:rPr lang="nl-BE" dirty="0"/>
+              <a:t> </a:t>
+            </a:r>
+            <a:r>
+              <a:rPr lang="nl-BE" dirty="0" err="1"/>
+              <a:t>animation</a:t>
+            </a:r>
+            <a:r>
+              <a:rPr lang="nl-BE" dirty="0"/>
+              <a:t> in </a:t>
+            </a:r>
+            <a:r>
+              <a:rPr lang="nl-BE" dirty="0" err="1"/>
+              <a:t>your</a:t>
+            </a:r>
+            <a:r>
+              <a:rPr lang="nl-BE" dirty="0"/>
+              <a:t> pdf: </a:t>
+            </a:r>
+          </a:p>
+          <a:p>
+            <a:pPr algn="r"/>
+            <a:r>
+              <a:rPr lang="nl-BE" dirty="0">
+                <a:hlinkClick r:id="rId3"/>
+              </a:rPr>
+              <a:t>https://ericlbarnesblog.files.wordpress.com/2016/06/pass-by-reference-vs-pass-by-value-animation.gif</a:t>
+            </a:r>
+            <a:r>
+              <a:rPr lang="nl-BE" dirty="0"/>
+              <a:t> </a:t>
+            </a:r>
+          </a:p>
+        </p:txBody>
+      </p:sp>
+    </p:spTree>
+    <p:extLst>
+      <p:ext uri="{BB962C8B-B14F-4D97-AF65-F5344CB8AC3E}">
+        <p14:creationId xmlns:p14="http://schemas.microsoft.com/office/powerpoint/2010/main" val="4267949545"/>
+      </p:ext>
+    </p:extLst>
+  </p:cSld>
+  <p:clrMapOvr>
+    <a:masterClrMapping/>
+  </p:clrMapOvr>
+</p:sld>
+</file>
+
+<file path=ppt/slides/slide41.xml><?xml version="1.0" encoding="utf-8"?>
+<p:sld xmlns:a="http://schemas.openxmlformats.org/drawingml/2006/main" xmlns:r="http://schemas.openxmlformats.org/officeDocument/2006/relationships" xmlns:p="http://schemas.openxmlformats.org/presentationml/2006/main">
+  <p:cSld>
     <p:bg>
       <p:bgPr>
         <a:solidFill>
@@ -35542,13 +35955,13 @@
         </p:spPr>
         <p:txBody>
           <a:bodyPr vert="horz" lIns="91440" tIns="45720" rIns="91440" bIns="45720" rtlCol="0" anchor="b">
-            <a:normAutofit/>
+            <a:normAutofit fontScale="90000"/>
           </a:bodyPr>
           <a:lstStyle/>
           <a:p>
             <a:r>
-              <a:rPr lang="en-US" sz="5600"/>
-              <a:t>Basics for a RPG game with 2D strings</a:t>
+              <a:rPr lang="en-US" sz="5600" dirty="0"/>
+              <a:t>Basics for a “RPG” game with 2D arrays of strings</a:t>
             </a:r>
           </a:p>
         </p:txBody>
@@ -35576,22 +35989,20 @@
           <a:lstStyle/>
           <a:p>
             <a:r>
-              <a:rPr lang="en-US" sz="2000">
-                <a:solidFill>
-                  <a:schemeClr val="tx1"/>
-                </a:solidFill>
+              <a:rPr lang="nl-BE" sz="2000" dirty="0">
                 <a:hlinkClick r:id="rId2"/>
               </a:rPr>
-              <a:t>https://timdams.gitbook.io/project/appendix/all-in-projecten/4_mazegame</a:t>
-            </a:r>
-            <a:r>
-              <a:rPr lang="en-US" sz="2000">
-                <a:solidFill>
-                  <a:schemeClr val="tx1"/>
-                </a:solidFill>
-              </a:rPr>
+              <a:t>https://apwt.gitbook.io/ziescherp/semester-1-appendix/all-in-projecten/4_mazegame</a:t>
+            </a:r>
+            <a:r>
+              <a:rPr lang="nl-BE" sz="2000" dirty="0"/>
               <a:t> </a:t>
             </a:r>
+            <a:endParaRPr lang="en-US" sz="2000" dirty="0">
+              <a:solidFill>
+                <a:schemeClr val="tx1"/>
+              </a:solidFill>
+            </a:endParaRPr>
           </a:p>
         </p:txBody>
       </p:sp>
@@ -35940,7 +36351,7 @@
                 </a:spcAft>
                 <a:defRPr/>
               </a:pPr>
-              <a:t>40</a:t>
+              <a:t>41</a:t>
             </a:fld>
             <a:endParaRPr lang="en-US" sz="1300">
               <a:solidFill>
@@ -35964,7 +36375,7 @@
 </p:sld>
 </file>
 
-<file path=ppt/slides/slide41.xml><?xml version="1.0" encoding="utf-8"?>
+<file path=ppt/slides/slide42.xml><?xml version="1.0" encoding="utf-8"?>
 <p:sld xmlns:a="http://schemas.openxmlformats.org/drawingml/2006/main" xmlns:r="http://schemas.openxmlformats.org/officeDocument/2006/relationships" xmlns:p="http://schemas.openxmlformats.org/presentationml/2006/main">
   <p:cSld>
     <p:spTree>
@@ -36087,7 +36498,7 @@
               <a:pPr>
                 <a:defRPr/>
               </a:pPr>
-              <a:t>41</a:t>
+              <a:t>42</a:t>
             </a:fld>
             <a:endParaRPr lang="nl-NL" dirty="0"/>
           </a:p>
